--- a/操作手册/售楼系统.pptx
+++ b/操作手册/售楼系统.pptx
@@ -15539,7 +15539,7 @@
         </p:nvSpPr>
         <p:spPr>
           <a:xfrm rot="5400000">
-            <a:off x="4038981" y="3126164"/>
+            <a:off x="4144491" y="3126164"/>
             <a:ext cx="1159701" cy="570565"/>
           </a:xfrm>
           <a:prstGeom prst="rightArrow">
@@ -15585,7 +15585,7 @@
         </p:nvSpPr>
         <p:spPr>
           <a:xfrm>
-            <a:off x="2877303" y="4381230"/>
+            <a:off x="2891129" y="4247281"/>
             <a:ext cx="1159701" cy="570565"/>
           </a:xfrm>
           <a:prstGeom prst="rightArrow">
@@ -15678,7 +15678,7 @@
         <p:spPr>
           <a:xfrm>
             <a:off x="6359258" y="1490861"/>
-            <a:ext cx="5425310" cy="3170099"/>
+            <a:ext cx="5425310" cy="3785652"/>
           </a:xfrm>
           <a:prstGeom prst="rect">
             <a:avLst/>
@@ -15733,7 +15733,7 @@
                 <a:ea typeface="微软雅黑" panose="020B0503020204020204" charset="-122"/>
                 <a:sym typeface="微软雅黑" panose="020B0503020204020204" charset="-122"/>
               </a:rPr>
-              <a:t>管理项目，团队，会员，广告活动等</a:t>
+              <a:t>管理项目，团队，会员，广告活动以及系统设置。</a:t>
             </a:r>
           </a:p>
           <a:p>
@@ -15798,14 +15798,15 @@
                 <a:ea typeface="微软雅黑" panose="020B0503020204020204" charset="-122"/>
                 <a:sym typeface="微软雅黑" panose="020B0503020204020204" charset="-122"/>
               </a:rPr>
-              <a:t>移动查看管理销售信息，维护会员</a:t>
-            </a:r>
-          </a:p>
-          <a:p>
-            <a:pPr lvl="0" eaLnBrk="0" hangingPunct="0">
+              <a:t>移动查看管理销售信息，获取最新房源信息，管理会员买房的全生命周期，销售经理及总监管理团队成员以及团队会员。</a:t>
+            </a:r>
+          </a:p>
+          <a:p>
+            <a:pPr marL="342900" lvl="0" indent="-342900" eaLnBrk="0" hangingPunct="0">
               <a:buClr>
                 <a:srgbClr val="FFFFFF"/>
               </a:buClr>
+              <a:buChar char="•"/>
             </a:pPr>
             <a:endParaRPr lang="zh-CN" altLang="en-US" sz="2000" dirty="0" smtClean="0">
               <a:solidFill>
@@ -15862,7 +15863,7 @@
                 <a:ea typeface="微软雅黑" panose="020B0503020204020204" charset="-122"/>
                 <a:sym typeface="微软雅黑" panose="020B0503020204020204" charset="-122"/>
               </a:rPr>
-              <a:t>获取房源信息，与销售员直接联系</a:t>
+              <a:t>获取房源信息，与销售员在线聊天以及预约看房。</a:t>
             </a:r>
           </a:p>
           <a:p>
@@ -15891,7 +15892,7 @@
         </p:nvSpPr>
         <p:spPr>
           <a:xfrm rot="5400000">
-            <a:off x="4607566" y="3120705"/>
+            <a:off x="4888921" y="3120705"/>
             <a:ext cx="1159701" cy="570565"/>
           </a:xfrm>
           <a:prstGeom prst="rightArrow">
@@ -15935,16 +15936,16 @@
       </p:sp>
       <p:sp>
         <p:nvSpPr>
-          <p:cNvPr id="18" name="右箭头 17"/>
+          <p:cNvPr id="19" name="左箭头 18"/>
           <p:cNvSpPr/>
           <p:nvPr/>
         </p:nvSpPr>
         <p:spPr>
-          <a:xfrm rot="16200000">
-            <a:off x="5210822" y="3079141"/>
-            <a:ext cx="1159701" cy="570565"/>
-          </a:xfrm>
-          <a:prstGeom prst="rightArrow">
+          <a:xfrm>
+            <a:off x="2856987" y="4729482"/>
+            <a:ext cx="1099553" cy="598656"/>
+          </a:xfrm>
+          <a:prstGeom prst="leftArrow">
             <a:avLst/>
           </a:prstGeom>
           <a:solidFill>
@@ -15968,14 +15969,15 @@
           </a:fontRef>
         </p:style>
         <p:txBody>
-          <a:bodyPr vert="eaVert" rtlCol="0" anchor="ctr"/>
+          <a:bodyPr rtlCol="0" anchor="ctr"/>
           <a:lstStyle/>
           <a:p>
             <a:pPr algn="ctr"/>
             <a:r>
-              <a:rPr lang="zh-CN" altLang="en-US" sz="1200" dirty="0" smtClean="0"/>
+              <a:rPr kumimoji="1" lang="zh-CN" altLang="en-US" sz="1200" dirty="0" smtClean="0"/>
               <a:t>预约</a:t>
             </a:r>
+            <a:endParaRPr kumimoji="1" lang="zh-CN" altLang="en-US" sz="1200" dirty="0"/>
           </a:p>
         </p:txBody>
       </p:sp>
